--- a/git讲义_420803247.pptx
+++ b/git讲义_420803247.pptx
@@ -13,21 +13,21 @@
   <p:notesSz cx="6858000" cy="9144000"/>
   <p:embeddedFontLst>
     <p:embeddedFont>
-      <p:font typeface="YaHei Consolas Hybrid" panose="02010600030101010101" charset="-122"/>
+      <p:font typeface="黑体" panose="02010609060101010101" pitchFamily="49" charset="-122"/>
       <p:regular r:id="rId5"/>
     </p:embeddedFont>
     <p:embeddedFont>
-      <p:font typeface="黑体" panose="02010609060101010101" pitchFamily="49" charset="-122"/>
+      <p:font typeface="YaHei Consolas Hybrid" panose="02010600030101010101" charset="-122"/>
       <p:regular r:id="rId6"/>
     </p:embeddedFont>
     <p:embeddedFont>
-      <p:font typeface="Tiger Expert" panose="02070300020205020404" pitchFamily="18" charset="0"/>
+      <p:font typeface="Calibri Light" panose="020F0302020204030204" pitchFamily="34" charset="0"/>
       <p:regular r:id="rId7"/>
+      <p:italic r:id="rId8"/>
     </p:embeddedFont>
     <p:embeddedFont>
-      <p:font typeface="Calibri Light" panose="020F0302020204030204" pitchFamily="34" charset="0"/>
-      <p:regular r:id="rId8"/>
-      <p:italic r:id="rId9"/>
+      <p:font typeface="Tiger Expert" panose="02070300020205020404" pitchFamily="18" charset="0"/>
+      <p:regular r:id="rId9"/>
     </p:embeddedFont>
     <p:embeddedFont>
       <p:font typeface="Calibri" panose="020F0502020204030204" pitchFamily="34" charset="0"/>
@@ -3373,7 +3373,7 @@
         <p:spPr>
           <a:xfrm>
             <a:off x="378822" y="972235"/>
-            <a:ext cx="8422278" cy="1754326"/>
+            <a:ext cx="8422278" cy="2031325"/>
           </a:xfrm>
           <a:prstGeom prst="rect">
             <a:avLst/>
@@ -3568,8 +3568,54 @@
                 <a:ea typeface="黑体" panose="02010609060101010101" pitchFamily="49" charset="-122"/>
                 <a:cs typeface="Times New Roman" panose="02020603050405020304" pitchFamily="18" charset="0"/>
               </a:rPr>
-              <a:t>clone https://github.com/linzx17/Computational-dynamics-2022.git</a:t>
-            </a:r>
+              <a:t>clone </a:t>
+            </a:r>
+            <a:r>
+              <a:rPr lang="en-US" altLang="zh-CN" dirty="0">
+                <a:latin typeface="Times New Roman" panose="02020603050405020304" pitchFamily="18" charset="0"/>
+                <a:ea typeface="黑体" panose="02010609060101010101" pitchFamily="49" charset="-122"/>
+                <a:cs typeface="Times New Roman" panose="02020603050405020304" pitchFamily="18" charset="0"/>
+                <a:hlinkClick r:id="rId2"/>
+              </a:rPr>
+              <a:t>https://</a:t>
+            </a:r>
+            <a:r>
+              <a:rPr lang="en-US" altLang="zh-CN" dirty="0" smtClean="0">
+                <a:latin typeface="Times New Roman" panose="02020603050405020304" pitchFamily="18" charset="0"/>
+                <a:ea typeface="黑体" panose="02010609060101010101" pitchFamily="49" charset="-122"/>
+                <a:cs typeface="Times New Roman" panose="02020603050405020304" pitchFamily="18" charset="0"/>
+                <a:hlinkClick r:id="rId2"/>
+              </a:rPr>
+              <a:t>github.com/linzx17/Computational-dynamics-2022.git</a:t>
+            </a:r>
+            <a:endParaRPr lang="en-US" altLang="zh-CN" dirty="0" smtClean="0">
+              <a:latin typeface="Times New Roman" panose="02020603050405020304" pitchFamily="18" charset="0"/>
+              <a:ea typeface="黑体" panose="02010609060101010101" pitchFamily="49" charset="-122"/>
+              <a:cs typeface="Times New Roman" panose="02020603050405020304" pitchFamily="18" charset="0"/>
+            </a:endParaRPr>
+          </a:p>
+          <a:p>
+            <a:r>
+              <a:rPr lang="zh-CN" altLang="en-US" dirty="0" smtClean="0">
+                <a:latin typeface="Times New Roman" panose="02020603050405020304" pitchFamily="18" charset="0"/>
+                <a:ea typeface="黑体" panose="02010609060101010101" pitchFamily="49" charset="-122"/>
+                <a:cs typeface="Times New Roman" panose="02020603050405020304" pitchFamily="18" charset="0"/>
+              </a:rPr>
+              <a:t>查看本地库文件：</a:t>
+            </a:r>
+            <a:r>
+              <a:rPr lang="en-US" altLang="zh-CN" smtClean="0">
+                <a:latin typeface="Times New Roman" panose="02020603050405020304" pitchFamily="18" charset="0"/>
+                <a:ea typeface="黑体" panose="02010609060101010101" pitchFamily="49" charset="-122"/>
+                <a:cs typeface="Times New Roman" panose="02020603050405020304" pitchFamily="18" charset="0"/>
+              </a:rPr>
+              <a:t>ll</a:t>
+            </a:r>
+            <a:endParaRPr lang="en-US" altLang="zh-CN" dirty="0">
+              <a:latin typeface="Times New Roman" panose="02020603050405020304" pitchFamily="18" charset="0"/>
+              <a:ea typeface="黑体" panose="02010609060101010101" pitchFamily="49" charset="-122"/>
+              <a:cs typeface="Times New Roman" panose="02020603050405020304" pitchFamily="18" charset="0"/>
+            </a:endParaRPr>
           </a:p>
           <a:p>
             <a:endParaRPr lang="en-US" altLang="zh-CN" dirty="0">

--- a/git讲义_420803247.pptx
+++ b/git讲义_420803247.pptx
@@ -5,19 +5,16 @@
     <p:sldMasterId id="2147483660" r:id="rId1"/>
   </p:sldMasterIdLst>
   <p:sldIdLst>
-    <p:sldId id="271" r:id="rId2"/>
-    <p:sldId id="272" r:id="rId3"/>
-    <p:sldId id="273" r:id="rId4"/>
+    <p:sldId id="274" r:id="rId2"/>
+    <p:sldId id="271" r:id="rId3"/>
+    <p:sldId id="272" r:id="rId4"/>
+    <p:sldId id="273" r:id="rId5"/>
   </p:sldIdLst>
   <p:sldSz cx="9144000" cy="6858000" type="screen4x3"/>
   <p:notesSz cx="6858000" cy="9144000"/>
   <p:embeddedFontLst>
     <p:embeddedFont>
       <p:font typeface="黑体" panose="02010609060101010101" pitchFamily="49" charset="-122"/>
-      <p:regular r:id="rId5"/>
-    </p:embeddedFont>
-    <p:embeddedFont>
-      <p:font typeface="YaHei Consolas Hybrid" panose="02010600030101010101" charset="-122"/>
       <p:regular r:id="rId6"/>
     </p:embeddedFont>
     <p:embeddedFont>
@@ -26,15 +23,19 @@
       <p:italic r:id="rId8"/>
     </p:embeddedFont>
     <p:embeddedFont>
-      <p:font typeface="Tiger Expert" panose="02070300020205020404" pitchFamily="18" charset="0"/>
+      <p:font typeface="Calibri" panose="020F0502020204030204" pitchFamily="34" charset="0"/>
       <p:regular r:id="rId9"/>
+      <p:bold r:id="rId10"/>
+      <p:italic r:id="rId11"/>
+      <p:boldItalic r:id="rId12"/>
     </p:embeddedFont>
     <p:embeddedFont>
-      <p:font typeface="Calibri" panose="020F0502020204030204" pitchFamily="34" charset="0"/>
-      <p:regular r:id="rId10"/>
-      <p:bold r:id="rId11"/>
-      <p:italic r:id="rId12"/>
-      <p:boldItalic r:id="rId13"/>
+      <p:font typeface="Tiger Expert" panose="02070300020205020404" pitchFamily="18" charset="0"/>
+      <p:regular r:id="rId13"/>
+    </p:embeddedFont>
+    <p:embeddedFont>
+      <p:font typeface="YaHei Consolas Hybrid" panose="02010600030101010101" charset="-122"/>
+      <p:regular r:id="rId14"/>
     </p:embeddedFont>
   </p:embeddedFontLst>
   <p:defaultTextStyle>
@@ -282,7 +283,7 @@
           <a:p>
             <a:fld id="{71653511-D2FA-4343-A771-067115E5525B}" type="datetimeFigureOut">
               <a:rPr lang="zh-CN" altLang="en-US" smtClean="0"/>
-              <a:t>2022/4/29</a:t>
+              <a:t>2022/4/30</a:t>
             </a:fld>
             <a:endParaRPr lang="zh-CN" altLang="en-US"/>
           </a:p>
@@ -452,7 +453,7 @@
           <a:p>
             <a:fld id="{71653511-D2FA-4343-A771-067115E5525B}" type="datetimeFigureOut">
               <a:rPr lang="zh-CN" altLang="en-US" smtClean="0"/>
-              <a:t>2022/4/29</a:t>
+              <a:t>2022/4/30</a:t>
             </a:fld>
             <a:endParaRPr lang="zh-CN" altLang="en-US"/>
           </a:p>
@@ -632,7 +633,7 @@
           <a:p>
             <a:fld id="{71653511-D2FA-4343-A771-067115E5525B}" type="datetimeFigureOut">
               <a:rPr lang="zh-CN" altLang="en-US" smtClean="0"/>
-              <a:t>2022/4/29</a:t>
+              <a:t>2022/4/30</a:t>
             </a:fld>
             <a:endParaRPr lang="zh-CN" altLang="en-US"/>
           </a:p>
@@ -802,7 +803,7 @@
           <a:p>
             <a:fld id="{71653511-D2FA-4343-A771-067115E5525B}" type="datetimeFigureOut">
               <a:rPr lang="zh-CN" altLang="en-US" smtClean="0"/>
-              <a:t>2022/4/29</a:t>
+              <a:t>2022/4/30</a:t>
             </a:fld>
             <a:endParaRPr lang="zh-CN" altLang="en-US"/>
           </a:p>
@@ -1046,7 +1047,7 @@
           <a:p>
             <a:fld id="{71653511-D2FA-4343-A771-067115E5525B}" type="datetimeFigureOut">
               <a:rPr lang="zh-CN" altLang="en-US" smtClean="0"/>
-              <a:t>2022/4/29</a:t>
+              <a:t>2022/4/30</a:t>
             </a:fld>
             <a:endParaRPr lang="zh-CN" altLang="en-US"/>
           </a:p>
@@ -1278,7 +1279,7 @@
           <a:p>
             <a:fld id="{71653511-D2FA-4343-A771-067115E5525B}" type="datetimeFigureOut">
               <a:rPr lang="zh-CN" altLang="en-US" smtClean="0"/>
-              <a:t>2022/4/29</a:t>
+              <a:t>2022/4/30</a:t>
             </a:fld>
             <a:endParaRPr lang="zh-CN" altLang="en-US"/>
           </a:p>
@@ -1645,7 +1646,7 @@
           <a:p>
             <a:fld id="{71653511-D2FA-4343-A771-067115E5525B}" type="datetimeFigureOut">
               <a:rPr lang="zh-CN" altLang="en-US" smtClean="0"/>
-              <a:t>2022/4/29</a:t>
+              <a:t>2022/4/30</a:t>
             </a:fld>
             <a:endParaRPr lang="zh-CN" altLang="en-US"/>
           </a:p>
@@ -1763,7 +1764,7 @@
           <a:p>
             <a:fld id="{71653511-D2FA-4343-A771-067115E5525B}" type="datetimeFigureOut">
               <a:rPr lang="zh-CN" altLang="en-US" smtClean="0"/>
-              <a:t>2022/4/29</a:t>
+              <a:t>2022/4/30</a:t>
             </a:fld>
             <a:endParaRPr lang="zh-CN" altLang="en-US"/>
           </a:p>
@@ -1858,7 +1859,7 @@
           <a:p>
             <a:fld id="{71653511-D2FA-4343-A771-067115E5525B}" type="datetimeFigureOut">
               <a:rPr lang="zh-CN" altLang="en-US" smtClean="0"/>
-              <a:t>2022/4/29</a:t>
+              <a:t>2022/4/30</a:t>
             </a:fld>
             <a:endParaRPr lang="zh-CN" altLang="en-US"/>
           </a:p>
@@ -2135,7 +2136,7 @@
           <a:p>
             <a:fld id="{71653511-D2FA-4343-A771-067115E5525B}" type="datetimeFigureOut">
               <a:rPr lang="zh-CN" altLang="en-US" smtClean="0"/>
-              <a:t>2022/4/29</a:t>
+              <a:t>2022/4/30</a:t>
             </a:fld>
             <a:endParaRPr lang="zh-CN" altLang="en-US"/>
           </a:p>
@@ -2392,7 +2393,7 @@
           <a:p>
             <a:fld id="{71653511-D2FA-4343-A771-067115E5525B}" type="datetimeFigureOut">
               <a:rPr lang="zh-CN" altLang="en-US" smtClean="0"/>
-              <a:t>2022/4/29</a:t>
+              <a:t>2022/4/30</a:t>
             </a:fld>
             <a:endParaRPr lang="zh-CN" altLang="en-US"/>
           </a:p>
@@ -2605,7 +2606,7 @@
           <a:p>
             <a:fld id="{71653511-D2FA-4343-A771-067115E5525B}" type="datetimeFigureOut">
               <a:rPr lang="zh-CN" altLang="en-US" smtClean="0"/>
-              <a:t>2022/4/29</a:t>
+              <a:t>2022/4/30</a:t>
             </a:fld>
             <a:endParaRPr lang="zh-CN" altLang="en-US"/>
           </a:p>
@@ -3010,6 +3011,549 @@
           <a:chExt cx="0" cy="0"/>
         </a:xfrm>
       </p:grpSpPr>
+      <p:sp>
+        <p:nvSpPr>
+          <p:cNvPr id="3" name="文本框 2"/>
+          <p:cNvSpPr txBox="1"/>
+          <p:nvPr/>
+        </p:nvSpPr>
+        <p:spPr>
+          <a:xfrm>
+            <a:off x="269965" y="139337"/>
+            <a:ext cx="2516778" cy="461665"/>
+          </a:xfrm>
+          <a:prstGeom prst="rect">
+            <a:avLst/>
+          </a:prstGeom>
+          <a:noFill/>
+        </p:spPr>
+        <p:txBody>
+          <a:bodyPr wrap="square" rtlCol="0">
+            <a:spAutoFit/>
+          </a:bodyPr>
+          <a:lstStyle/>
+          <a:p>
+            <a:r>
+              <a:rPr lang="en-US" altLang="zh-CN" sz="2400" dirty="0" err="1" smtClean="0">
+                <a:latin typeface="Times New Roman" panose="02020603050405020304" pitchFamily="18" charset="0"/>
+                <a:ea typeface="黑体" panose="02010609060101010101" pitchFamily="49" charset="-122"/>
+                <a:cs typeface="Times New Roman" panose="02020603050405020304" pitchFamily="18" charset="0"/>
+              </a:rPr>
+              <a:t>Git</a:t>
+            </a:r>
+            <a:r>
+              <a:rPr lang="zh-CN" altLang="en-US" sz="2400" dirty="0" smtClean="0">
+                <a:latin typeface="Times New Roman" panose="02020603050405020304" pitchFamily="18" charset="0"/>
+                <a:ea typeface="黑体" panose="02010609060101010101" pitchFamily="49" charset="-122"/>
+                <a:cs typeface="Times New Roman" panose="02020603050405020304" pitchFamily="18" charset="0"/>
+              </a:rPr>
+              <a:t>操作流程</a:t>
+            </a:r>
+            <a:endParaRPr lang="zh-CN" altLang="en-US" sz="2400" dirty="0" smtClean="0">
+              <a:latin typeface="Tiger Expert" panose="02070300020205020404" pitchFamily="18" charset="0"/>
+              <a:ea typeface="黑体" panose="02010609060101010101" pitchFamily="49" charset="-122"/>
+            </a:endParaRPr>
+          </a:p>
+        </p:txBody>
+      </p:sp>
+      <p:sp>
+        <p:nvSpPr>
+          <p:cNvPr id="5" name="矩形 4"/>
+          <p:cNvSpPr/>
+          <p:nvPr/>
+        </p:nvSpPr>
+        <p:spPr>
+          <a:xfrm>
+            <a:off x="378822" y="972235"/>
+            <a:ext cx="8422278" cy="3416320"/>
+          </a:xfrm>
+          <a:prstGeom prst="rect">
+            <a:avLst/>
+          </a:prstGeom>
+        </p:spPr>
+        <p:txBody>
+          <a:bodyPr wrap="square">
+            <a:spAutoFit/>
+          </a:bodyPr>
+          <a:lstStyle/>
+          <a:p>
+            <a:r>
+              <a:rPr lang="en-US" altLang="zh-CN" dirty="0" smtClean="0">
+                <a:solidFill>
+                  <a:prstClr val="black"/>
+                </a:solidFill>
+                <a:latin typeface="Times New Roman" panose="02020603050405020304" pitchFamily="18" charset="0"/>
+                <a:ea typeface="黑体" panose="02010609060101010101" pitchFamily="49" charset="-122"/>
+                <a:cs typeface="Times New Roman" panose="02020603050405020304" pitchFamily="18" charset="0"/>
+              </a:rPr>
+              <a:t>1.</a:t>
+            </a:r>
+            <a:r>
+              <a:rPr lang="zh-CN" altLang="en-US" dirty="0">
+                <a:latin typeface="Times New Roman" panose="02020603050405020304" pitchFamily="18" charset="0"/>
+                <a:ea typeface="黑体" panose="02010609060101010101" pitchFamily="49" charset="-122"/>
+                <a:cs typeface="Times New Roman" panose="02020603050405020304" pitchFamily="18" charset="0"/>
+              </a:rPr>
+              <a:t>拉取远程库到本地库</a:t>
+            </a:r>
+            <a:r>
+              <a:rPr lang="zh-CN" altLang="en-US" dirty="0" smtClean="0">
+                <a:latin typeface="Times New Roman" panose="02020603050405020304" pitchFamily="18" charset="0"/>
+                <a:ea typeface="黑体" panose="02010609060101010101" pitchFamily="49" charset="-122"/>
+                <a:cs typeface="Times New Roman" panose="02020603050405020304" pitchFamily="18" charset="0"/>
+              </a:rPr>
+              <a:t>：</a:t>
+            </a:r>
+            <a:r>
+              <a:rPr lang="en-US" altLang="zh-CN" dirty="0">
+                <a:latin typeface="Times New Roman" panose="02020603050405020304" pitchFamily="18" charset="0"/>
+                <a:ea typeface="黑体" panose="02010609060101010101" pitchFamily="49" charset="-122"/>
+                <a:cs typeface="Times New Roman" panose="02020603050405020304" pitchFamily="18" charset="0"/>
+              </a:rPr>
+              <a:t>git@github.com:linzx17/Computational-dynamics-2022.git</a:t>
+            </a:r>
+          </a:p>
+          <a:p>
+            <a:r>
+              <a:rPr lang="en-US" altLang="zh-CN" dirty="0" smtClean="0">
+                <a:latin typeface="Times New Roman" panose="02020603050405020304" pitchFamily="18" charset="0"/>
+                <a:ea typeface="黑体" panose="02010609060101010101" pitchFamily="49" charset="-122"/>
+                <a:cs typeface="Times New Roman" panose="02020603050405020304" pitchFamily="18" charset="0"/>
+              </a:rPr>
+              <a:t>2.</a:t>
+            </a:r>
+            <a:r>
+              <a:rPr lang="zh-CN" altLang="en-US" dirty="0" smtClean="0">
+                <a:latin typeface="Times New Roman" panose="02020603050405020304" pitchFamily="18" charset="0"/>
+                <a:ea typeface="黑体" panose="02010609060101010101" pitchFamily="49" charset="-122"/>
+                <a:cs typeface="Times New Roman" panose="02020603050405020304" pitchFamily="18" charset="0"/>
+              </a:rPr>
+              <a:t>增加或修改</a:t>
+            </a:r>
+            <a:r>
+              <a:rPr lang="zh-CN" altLang="en-US" dirty="0" smtClean="0">
+                <a:latin typeface="Tiger Expert" panose="02070300020205020404" pitchFamily="18" charset="0"/>
+                <a:ea typeface="黑体" panose="02010609060101010101" pitchFamily="49" charset="-122"/>
+              </a:rPr>
+              <a:t>文件</a:t>
+            </a:r>
+            <a:r>
+              <a:rPr lang="zh-CN" altLang="en-US" dirty="0" smtClean="0">
+                <a:latin typeface="Tiger Expert" panose="02070300020205020404" pitchFamily="18" charset="0"/>
+                <a:ea typeface="黑体" panose="02010609060101010101" pitchFamily="49" charset="-122"/>
+                <a:sym typeface="Wingdings" panose="05000000000000000000" pitchFamily="2" charset="2"/>
+              </a:rPr>
+              <a:t>：（例如增加或修改了文件</a:t>
+            </a:r>
+            <a:r>
+              <a:rPr lang="en-US" altLang="zh-CN" dirty="0" smtClean="0">
+                <a:latin typeface="Times New Roman" panose="02020603050405020304" pitchFamily="18" charset="0"/>
+                <a:ea typeface="黑体" panose="02010609060101010101" pitchFamily="49" charset="-122"/>
+                <a:cs typeface="Times New Roman" panose="02020603050405020304" pitchFamily="18" charset="0"/>
+                <a:sym typeface="Wingdings" panose="05000000000000000000" pitchFamily="2" charset="2"/>
+              </a:rPr>
+              <a:t>lzx_test.txt</a:t>
+            </a:r>
+            <a:r>
+              <a:rPr lang="zh-CN" altLang="en-US" dirty="0" smtClean="0">
+                <a:latin typeface="Times New Roman" panose="02020603050405020304" pitchFamily="18" charset="0"/>
+                <a:ea typeface="黑体" panose="02010609060101010101" pitchFamily="49" charset="-122"/>
+                <a:cs typeface="Times New Roman" panose="02020603050405020304" pitchFamily="18" charset="0"/>
+                <a:sym typeface="Wingdings" panose="05000000000000000000" pitchFamily="2" charset="2"/>
+              </a:rPr>
+              <a:t>）</a:t>
+            </a:r>
+            <a:endParaRPr lang="en-US" altLang="zh-CN" dirty="0" smtClean="0">
+              <a:latin typeface="Times New Roman" panose="02020603050405020304" pitchFamily="18" charset="0"/>
+              <a:ea typeface="黑体" panose="02010609060101010101" pitchFamily="49" charset="-122"/>
+              <a:cs typeface="Times New Roman" panose="02020603050405020304" pitchFamily="18" charset="0"/>
+              <a:sym typeface="Wingdings" panose="05000000000000000000" pitchFamily="2" charset="2"/>
+            </a:endParaRPr>
+          </a:p>
+          <a:p>
+            <a:r>
+              <a:rPr lang="en-US" altLang="zh-CN" dirty="0" smtClean="0">
+                <a:latin typeface="Times New Roman" panose="02020603050405020304" pitchFamily="18" charset="0"/>
+                <a:ea typeface="黑体" panose="02010609060101010101" pitchFamily="49" charset="-122"/>
+                <a:cs typeface="Times New Roman" panose="02020603050405020304" pitchFamily="18" charset="0"/>
+                <a:sym typeface="Wingdings" panose="05000000000000000000" pitchFamily="2" charset="2"/>
+              </a:rPr>
+              <a:t>3.</a:t>
+            </a:r>
+            <a:r>
+              <a:rPr lang="zh-CN" altLang="en-US" dirty="0" smtClean="0">
+                <a:latin typeface="Times New Roman" panose="02020603050405020304" pitchFamily="18" charset="0"/>
+                <a:ea typeface="黑体" panose="02010609060101010101" pitchFamily="49" charset="-122"/>
+                <a:cs typeface="Times New Roman" panose="02020603050405020304" pitchFamily="18" charset="0"/>
+                <a:sym typeface="Wingdings" panose="05000000000000000000" pitchFamily="2" charset="2"/>
+              </a:rPr>
+              <a:t>查看本地库</a:t>
+            </a:r>
+            <a:r>
+              <a:rPr lang="zh-CN" altLang="en-US" dirty="0">
+                <a:latin typeface="Times New Roman" panose="02020603050405020304" pitchFamily="18" charset="0"/>
+                <a:ea typeface="黑体" panose="02010609060101010101" pitchFamily="49" charset="-122"/>
+                <a:cs typeface="Times New Roman" panose="02020603050405020304" pitchFamily="18" charset="0"/>
+                <a:sym typeface="Wingdings" panose="05000000000000000000" pitchFamily="2" charset="2"/>
+              </a:rPr>
+              <a:t>状态</a:t>
+            </a:r>
+            <a:r>
+              <a:rPr lang="zh-CN" altLang="en-US" dirty="0" smtClean="0">
+                <a:latin typeface="Times New Roman" panose="02020603050405020304" pitchFamily="18" charset="0"/>
+                <a:ea typeface="黑体" panose="02010609060101010101" pitchFamily="49" charset="-122"/>
+                <a:cs typeface="Times New Roman" panose="02020603050405020304" pitchFamily="18" charset="0"/>
+                <a:sym typeface="Wingdings" panose="05000000000000000000" pitchFamily="2" charset="2"/>
+              </a:rPr>
+              <a:t>：</a:t>
+            </a:r>
+            <a:r>
+              <a:rPr lang="en-US" altLang="zh-CN" dirty="0" err="1" smtClean="0">
+                <a:latin typeface="Times New Roman" panose="02020603050405020304" pitchFamily="18" charset="0"/>
+                <a:ea typeface="黑体" panose="02010609060101010101" pitchFamily="49" charset="-122"/>
+                <a:cs typeface="Times New Roman" panose="02020603050405020304" pitchFamily="18" charset="0"/>
+                <a:sym typeface="Wingdings" panose="05000000000000000000" pitchFamily="2" charset="2"/>
+              </a:rPr>
+              <a:t>git</a:t>
+            </a:r>
+            <a:r>
+              <a:rPr lang="en-US" altLang="zh-CN" dirty="0" smtClean="0">
+                <a:latin typeface="Times New Roman" panose="02020603050405020304" pitchFamily="18" charset="0"/>
+                <a:ea typeface="黑体" panose="02010609060101010101" pitchFamily="49" charset="-122"/>
+                <a:cs typeface="Times New Roman" panose="02020603050405020304" pitchFamily="18" charset="0"/>
+                <a:sym typeface="Wingdings" panose="05000000000000000000" pitchFamily="2" charset="2"/>
+              </a:rPr>
+              <a:t> status</a:t>
+            </a:r>
+            <a:endParaRPr lang="en-US" altLang="zh-CN" dirty="0">
+              <a:latin typeface="Times New Roman" panose="02020603050405020304" pitchFamily="18" charset="0"/>
+              <a:ea typeface="黑体" panose="02010609060101010101" pitchFamily="49" charset="-122"/>
+              <a:cs typeface="Times New Roman" panose="02020603050405020304" pitchFamily="18" charset="0"/>
+            </a:endParaRPr>
+          </a:p>
+          <a:p>
+            <a:endParaRPr lang="en-US" altLang="zh-CN" dirty="0" smtClean="0">
+              <a:solidFill>
+                <a:prstClr val="black"/>
+              </a:solidFill>
+              <a:latin typeface="黑体" panose="02010609060101010101" pitchFamily="49" charset="-122"/>
+              <a:ea typeface="黑体" panose="02010609060101010101" pitchFamily="49" charset="-122"/>
+              <a:cs typeface="Times New Roman" panose="02020603050405020304" pitchFamily="18" charset="0"/>
+            </a:endParaRPr>
+          </a:p>
+          <a:p>
+            <a:r>
+              <a:rPr lang="zh-CN" altLang="en-US" dirty="0" smtClean="0">
+                <a:solidFill>
+                  <a:prstClr val="black"/>
+                </a:solidFill>
+                <a:latin typeface="黑体" panose="02010609060101010101" pitchFamily="49" charset="-122"/>
+                <a:ea typeface="黑体" panose="02010609060101010101" pitchFamily="49" charset="-122"/>
+                <a:cs typeface="Times New Roman" panose="02020603050405020304" pitchFamily="18" charset="0"/>
+              </a:rPr>
+              <a:t>中文</a:t>
+            </a:r>
+            <a:r>
+              <a:rPr lang="zh-CN" altLang="en-US" dirty="0" smtClean="0">
+                <a:solidFill>
+                  <a:prstClr val="black"/>
+                </a:solidFill>
+                <a:latin typeface="黑体" panose="02010609060101010101" pitchFamily="49" charset="-122"/>
+                <a:ea typeface="黑体" panose="02010609060101010101" pitchFamily="49" charset="-122"/>
+                <a:cs typeface="Times New Roman" panose="02020603050405020304" pitchFamily="18" charset="0"/>
+              </a:rPr>
+              <a:t>目录乱码纠正：</a:t>
+            </a:r>
+            <a:r>
+              <a:rPr lang="en-US" altLang="zh-CN" dirty="0" err="1" smtClean="0">
+                <a:solidFill>
+                  <a:prstClr val="black"/>
+                </a:solidFill>
+                <a:latin typeface="Times New Roman" panose="02020603050405020304" pitchFamily="18" charset="0"/>
+                <a:cs typeface="Times New Roman" panose="02020603050405020304" pitchFamily="18" charset="0"/>
+              </a:rPr>
+              <a:t>git</a:t>
+            </a:r>
+            <a:r>
+              <a:rPr lang="en-US" altLang="zh-CN" dirty="0" smtClean="0">
+                <a:solidFill>
+                  <a:prstClr val="black"/>
+                </a:solidFill>
+                <a:latin typeface="Times New Roman" panose="02020603050405020304" pitchFamily="18" charset="0"/>
+                <a:cs typeface="Times New Roman" panose="02020603050405020304" pitchFamily="18" charset="0"/>
+              </a:rPr>
+              <a:t> </a:t>
+            </a:r>
+            <a:r>
+              <a:rPr lang="en-US" altLang="zh-CN" dirty="0" err="1">
+                <a:solidFill>
+                  <a:prstClr val="black"/>
+                </a:solidFill>
+                <a:latin typeface="Times New Roman" panose="02020603050405020304" pitchFamily="18" charset="0"/>
+                <a:cs typeface="Times New Roman" panose="02020603050405020304" pitchFamily="18" charset="0"/>
+              </a:rPr>
+              <a:t>config</a:t>
+            </a:r>
+            <a:r>
+              <a:rPr lang="en-US" altLang="zh-CN" dirty="0">
+                <a:solidFill>
+                  <a:prstClr val="black"/>
+                </a:solidFill>
+                <a:latin typeface="Times New Roman" panose="02020603050405020304" pitchFamily="18" charset="0"/>
+                <a:cs typeface="Times New Roman" panose="02020603050405020304" pitchFamily="18" charset="0"/>
+              </a:rPr>
+              <a:t> --global </a:t>
+            </a:r>
+            <a:r>
+              <a:rPr lang="en-US" altLang="zh-CN" dirty="0" err="1">
+                <a:solidFill>
+                  <a:prstClr val="black"/>
+                </a:solidFill>
+                <a:latin typeface="Times New Roman" panose="02020603050405020304" pitchFamily="18" charset="0"/>
+                <a:cs typeface="Times New Roman" panose="02020603050405020304" pitchFamily="18" charset="0"/>
+              </a:rPr>
+              <a:t>core.quotepath</a:t>
+            </a:r>
+            <a:r>
+              <a:rPr lang="en-US" altLang="zh-CN" dirty="0">
+                <a:solidFill>
+                  <a:prstClr val="black"/>
+                </a:solidFill>
+                <a:latin typeface="Times New Roman" panose="02020603050405020304" pitchFamily="18" charset="0"/>
+                <a:cs typeface="Times New Roman" panose="02020603050405020304" pitchFamily="18" charset="0"/>
+              </a:rPr>
+              <a:t> </a:t>
+            </a:r>
+            <a:r>
+              <a:rPr lang="en-US" altLang="zh-CN" dirty="0" smtClean="0">
+                <a:solidFill>
+                  <a:prstClr val="black"/>
+                </a:solidFill>
+                <a:latin typeface="Times New Roman" panose="02020603050405020304" pitchFamily="18" charset="0"/>
+                <a:cs typeface="Times New Roman" panose="02020603050405020304" pitchFamily="18" charset="0"/>
+              </a:rPr>
+              <a:t>false</a:t>
+            </a:r>
+          </a:p>
+          <a:p>
+            <a:r>
+              <a:rPr lang="zh-CN" altLang="en-US" dirty="0" smtClean="0">
+                <a:latin typeface="黑体" panose="02010609060101010101" pitchFamily="49" charset="-122"/>
+                <a:ea typeface="黑体" panose="02010609060101010101" pitchFamily="49" charset="-122"/>
+                <a:cs typeface="Times New Roman" panose="02020603050405020304" pitchFamily="18" charset="0"/>
+              </a:rPr>
+              <a:t>本地库推送到远程库：</a:t>
+            </a:r>
+            <a:r>
+              <a:rPr lang="en-US" altLang="zh-CN" dirty="0" err="1"/>
+              <a:t>git</a:t>
+            </a:r>
+            <a:r>
+              <a:rPr lang="en-US" altLang="zh-CN" dirty="0"/>
+              <a:t> push Computational-dynamics-2022 </a:t>
+            </a:r>
+            <a:r>
+              <a:rPr lang="en-US" altLang="zh-CN" dirty="0" smtClean="0"/>
+              <a:t>master</a:t>
+            </a:r>
+            <a:endParaRPr lang="en-US" altLang="zh-CN" dirty="0">
+              <a:latin typeface="黑体" panose="02010609060101010101" pitchFamily="49" charset="-122"/>
+              <a:ea typeface="黑体" panose="02010609060101010101" pitchFamily="49" charset="-122"/>
+              <a:cs typeface="Times New Roman" panose="02020603050405020304" pitchFamily="18" charset="0"/>
+            </a:endParaRPr>
+          </a:p>
+          <a:p>
+            <a:r>
+              <a:rPr lang="zh-CN" altLang="en-US" dirty="0">
+                <a:latin typeface="黑体" panose="02010609060101010101" pitchFamily="49" charset="-122"/>
+                <a:ea typeface="黑体" panose="02010609060101010101" pitchFamily="49" charset="-122"/>
+              </a:rPr>
+              <a:t>拉</a:t>
+            </a:r>
+            <a:r>
+              <a:rPr lang="zh-CN" altLang="en-US" dirty="0" smtClean="0">
+                <a:latin typeface="黑体" panose="02010609060101010101" pitchFamily="49" charset="-122"/>
+                <a:ea typeface="黑体" panose="02010609060101010101" pitchFamily="49" charset="-122"/>
+              </a:rPr>
+              <a:t>取远程库到本地库：</a:t>
+            </a:r>
+            <a:r>
+              <a:rPr lang="en-US" altLang="zh-CN" dirty="0" err="1"/>
+              <a:t>git</a:t>
+            </a:r>
+            <a:r>
+              <a:rPr lang="en-US" altLang="zh-CN" dirty="0"/>
+              <a:t> pull</a:t>
+            </a:r>
+            <a:r>
+              <a:rPr lang="en-US" altLang="zh-CN" dirty="0" smtClean="0"/>
+              <a:t> </a:t>
+            </a:r>
+            <a:r>
+              <a:rPr lang="en-US" altLang="zh-CN" dirty="0"/>
+              <a:t>Computational-dynamics-2022 </a:t>
+            </a:r>
+            <a:r>
+              <a:rPr lang="en-US" altLang="zh-CN" dirty="0" smtClean="0"/>
+              <a:t>master</a:t>
+            </a:r>
+          </a:p>
+          <a:p>
+            <a:r>
+              <a:rPr lang="zh-CN" altLang="en-US" dirty="0" smtClean="0">
+                <a:latin typeface="黑体" panose="02010609060101010101" pitchFamily="49" charset="-122"/>
+                <a:ea typeface="黑体" panose="02010609060101010101" pitchFamily="49" charset="-122"/>
+                <a:cs typeface="Times New Roman" panose="02020603050405020304" pitchFamily="18" charset="0"/>
+              </a:rPr>
+              <a:t>克隆远程库到本地库：</a:t>
+            </a:r>
+            <a:endParaRPr lang="en-US" altLang="zh-CN" dirty="0" smtClean="0">
+              <a:latin typeface="黑体" panose="02010609060101010101" pitchFamily="49" charset="-122"/>
+              <a:ea typeface="黑体" panose="02010609060101010101" pitchFamily="49" charset="-122"/>
+              <a:cs typeface="Times New Roman" panose="02020603050405020304" pitchFamily="18" charset="0"/>
+            </a:endParaRPr>
+          </a:p>
+          <a:p>
+            <a:r>
+              <a:rPr lang="en-US" altLang="zh-CN" dirty="0" err="1" smtClean="0">
+                <a:latin typeface="Times New Roman" panose="02020603050405020304" pitchFamily="18" charset="0"/>
+                <a:ea typeface="黑体" panose="02010609060101010101" pitchFamily="49" charset="-122"/>
+                <a:cs typeface="Times New Roman" panose="02020603050405020304" pitchFamily="18" charset="0"/>
+              </a:rPr>
+              <a:t>git</a:t>
+            </a:r>
+            <a:r>
+              <a:rPr lang="en-US" altLang="zh-CN" dirty="0" smtClean="0">
+                <a:latin typeface="Times New Roman" panose="02020603050405020304" pitchFamily="18" charset="0"/>
+                <a:ea typeface="黑体" panose="02010609060101010101" pitchFamily="49" charset="-122"/>
+                <a:cs typeface="Times New Roman" panose="02020603050405020304" pitchFamily="18" charset="0"/>
+              </a:rPr>
+              <a:t> </a:t>
+            </a:r>
+            <a:r>
+              <a:rPr lang="en-US" altLang="zh-CN" dirty="0">
+                <a:latin typeface="Times New Roman" panose="02020603050405020304" pitchFamily="18" charset="0"/>
+                <a:ea typeface="黑体" panose="02010609060101010101" pitchFamily="49" charset="-122"/>
+                <a:cs typeface="Times New Roman" panose="02020603050405020304" pitchFamily="18" charset="0"/>
+              </a:rPr>
+              <a:t>clone </a:t>
+            </a:r>
+            <a:r>
+              <a:rPr lang="en-US" altLang="zh-CN" dirty="0">
+                <a:latin typeface="Times New Roman" panose="02020603050405020304" pitchFamily="18" charset="0"/>
+                <a:ea typeface="黑体" panose="02010609060101010101" pitchFamily="49" charset="-122"/>
+                <a:cs typeface="Times New Roman" panose="02020603050405020304" pitchFamily="18" charset="0"/>
+                <a:hlinkClick r:id="rId2"/>
+              </a:rPr>
+              <a:t>https://</a:t>
+            </a:r>
+            <a:r>
+              <a:rPr lang="en-US" altLang="zh-CN" dirty="0" smtClean="0">
+                <a:latin typeface="Times New Roman" panose="02020603050405020304" pitchFamily="18" charset="0"/>
+                <a:ea typeface="黑体" panose="02010609060101010101" pitchFamily="49" charset="-122"/>
+                <a:cs typeface="Times New Roman" panose="02020603050405020304" pitchFamily="18" charset="0"/>
+                <a:hlinkClick r:id="rId2"/>
+              </a:rPr>
+              <a:t>github.com/linzx17/Computational-dynamics-2022.git</a:t>
+            </a:r>
+            <a:endParaRPr lang="en-US" altLang="zh-CN" dirty="0" smtClean="0">
+              <a:latin typeface="Times New Roman" panose="02020603050405020304" pitchFamily="18" charset="0"/>
+              <a:ea typeface="黑体" panose="02010609060101010101" pitchFamily="49" charset="-122"/>
+              <a:cs typeface="Times New Roman" panose="02020603050405020304" pitchFamily="18" charset="0"/>
+            </a:endParaRPr>
+          </a:p>
+          <a:p>
+            <a:r>
+              <a:rPr lang="en-US" altLang="zh-CN" dirty="0" smtClean="0">
+                <a:latin typeface="Times New Roman" panose="02020603050405020304" pitchFamily="18" charset="0"/>
+                <a:ea typeface="黑体" panose="02010609060101010101" pitchFamily="49" charset="-122"/>
+                <a:cs typeface="Times New Roman" panose="02020603050405020304" pitchFamily="18" charset="0"/>
+              </a:rPr>
+              <a:t>SSH</a:t>
+            </a:r>
+            <a:r>
+              <a:rPr lang="zh-CN" altLang="en-US" dirty="0" smtClean="0">
+                <a:latin typeface="Times New Roman" panose="02020603050405020304" pitchFamily="18" charset="0"/>
+                <a:ea typeface="黑体" panose="02010609060101010101" pitchFamily="49" charset="-122"/>
+                <a:cs typeface="Times New Roman" panose="02020603050405020304" pitchFamily="18" charset="0"/>
+              </a:rPr>
+              <a:t>链接：</a:t>
+            </a:r>
+            <a:r>
+              <a:rPr lang="en-US" altLang="zh-CN" dirty="0">
+                <a:latin typeface="Times New Roman" panose="02020603050405020304" pitchFamily="18" charset="0"/>
+                <a:ea typeface="黑体" panose="02010609060101010101" pitchFamily="49" charset="-122"/>
+                <a:cs typeface="Times New Roman" panose="02020603050405020304" pitchFamily="18" charset="0"/>
+              </a:rPr>
+              <a:t>git@github.com:linzx17/Computational-dynamics-2022.git</a:t>
+            </a:r>
+            <a:endParaRPr lang="en-US" altLang="zh-CN" dirty="0" smtClean="0">
+              <a:latin typeface="Times New Roman" panose="02020603050405020304" pitchFamily="18" charset="0"/>
+              <a:ea typeface="黑体" panose="02010609060101010101" pitchFamily="49" charset="-122"/>
+              <a:cs typeface="Times New Roman" panose="02020603050405020304" pitchFamily="18" charset="0"/>
+            </a:endParaRPr>
+          </a:p>
+          <a:p>
+            <a:r>
+              <a:rPr lang="zh-CN" altLang="en-US" dirty="0" smtClean="0">
+                <a:latin typeface="Times New Roman" panose="02020603050405020304" pitchFamily="18" charset="0"/>
+                <a:ea typeface="黑体" panose="02010609060101010101" pitchFamily="49" charset="-122"/>
+                <a:cs typeface="Times New Roman" panose="02020603050405020304" pitchFamily="18" charset="0"/>
+              </a:rPr>
+              <a:t>查看本地库文件：</a:t>
+            </a:r>
+            <a:r>
+              <a:rPr lang="en-US" altLang="zh-CN" dirty="0" err="1" smtClean="0">
+                <a:latin typeface="Times New Roman" panose="02020603050405020304" pitchFamily="18" charset="0"/>
+                <a:ea typeface="黑体" panose="02010609060101010101" pitchFamily="49" charset="-122"/>
+                <a:cs typeface="Times New Roman" panose="02020603050405020304" pitchFamily="18" charset="0"/>
+              </a:rPr>
+              <a:t>ll</a:t>
+            </a:r>
+            <a:endParaRPr lang="en-US" altLang="zh-CN" dirty="0">
+              <a:latin typeface="Times New Roman" panose="02020603050405020304" pitchFamily="18" charset="0"/>
+              <a:ea typeface="黑体" panose="02010609060101010101" pitchFamily="49" charset="-122"/>
+              <a:cs typeface="Times New Roman" panose="02020603050405020304" pitchFamily="18" charset="0"/>
+            </a:endParaRPr>
+          </a:p>
+          <a:p>
+            <a:endParaRPr lang="en-US" altLang="zh-CN" dirty="0">
+              <a:latin typeface="黑体" panose="02010609060101010101" pitchFamily="49" charset="-122"/>
+              <a:ea typeface="黑体" panose="02010609060101010101" pitchFamily="49" charset="-122"/>
+            </a:endParaRPr>
+          </a:p>
+        </p:txBody>
+      </p:sp>
+    </p:spTree>
+    <p:extLst>
+      <p:ext uri="{BB962C8B-B14F-4D97-AF65-F5344CB8AC3E}">
+        <p14:creationId xmlns:p14="http://schemas.microsoft.com/office/powerpoint/2010/main" val="2427626889"/>
+      </p:ext>
+    </p:extLst>
+  </p:cSld>
+  <p:clrMapOvr>
+    <a:masterClrMapping/>
+  </p:clrMapOvr>
+</p:sld>
+</file>
+
+<file path=ppt/slides/slide2.xml><?xml version="1.0" encoding="utf-8"?>
+<p:sld xmlns:a="http://schemas.openxmlformats.org/drawingml/2006/main" xmlns:r="http://schemas.openxmlformats.org/officeDocument/2006/relationships" xmlns:p="http://schemas.openxmlformats.org/presentationml/2006/main">
+  <p:cSld>
+    <p:spTree>
+      <p:nvGrpSpPr>
+        <p:cNvPr id="1" name=""/>
+        <p:cNvGrpSpPr/>
+        <p:nvPr/>
+      </p:nvGrpSpPr>
+      <p:grpSpPr>
+        <a:xfrm>
+          <a:off x="0" y="0"/>
+          <a:ext cx="0" cy="0"/>
+          <a:chOff x="0" y="0"/>
+          <a:chExt cx="0" cy="0"/>
+        </a:xfrm>
+      </p:grpSpPr>
       <p:pic>
         <p:nvPicPr>
           <p:cNvPr id="3" name="图片 2"/>
@@ -3219,7 +3763,7 @@
 </p:sld>
 </file>
 
-<file path=ppt/slides/slide2.xml><?xml version="1.0" encoding="utf-8"?>
+<file path=ppt/slides/slide3.xml><?xml version="1.0" encoding="utf-8"?>
 <p:sld xmlns:a="http://schemas.openxmlformats.org/drawingml/2006/main" xmlns:r="http://schemas.openxmlformats.org/officeDocument/2006/relationships" xmlns:p="http://schemas.openxmlformats.org/presentationml/2006/main">
   <p:cSld>
     <p:spTree>
@@ -3303,7 +3847,7 @@
 </p:sld>
 </file>
 
-<file path=ppt/slides/slide3.xml><?xml version="1.0" encoding="utf-8"?>
+<file path=ppt/slides/slide4.xml><?xml version="1.0" encoding="utf-8"?>
 <p:sld xmlns:a="http://schemas.openxmlformats.org/drawingml/2006/main" xmlns:r="http://schemas.openxmlformats.org/officeDocument/2006/relationships" xmlns:p="http://schemas.openxmlformats.org/presentationml/2006/main">
   <p:cSld>
     <p:spTree>
@@ -3373,7 +3917,7 @@
         <p:spPr>
           <a:xfrm>
             <a:off x="378822" y="972235"/>
-            <a:ext cx="8422278" cy="2031325"/>
+            <a:ext cx="8422278" cy="2308324"/>
           </a:xfrm>
           <a:prstGeom prst="rect">
             <a:avLst/>
@@ -3596,15 +4140,46 @@
           </a:p>
           <a:p>
             <a:r>
+              <a:rPr lang="en-US" altLang="zh-CN" dirty="0" smtClean="0">
+                <a:latin typeface="Times New Roman" panose="02020603050405020304" pitchFamily="18" charset="0"/>
+                <a:ea typeface="黑体" panose="02010609060101010101" pitchFamily="49" charset="-122"/>
+                <a:cs typeface="Times New Roman" panose="02020603050405020304" pitchFamily="18" charset="0"/>
+              </a:rPr>
+              <a:t>SSH</a:t>
+            </a:r>
+            <a:r>
               <a:rPr lang="zh-CN" altLang="en-US" dirty="0" smtClean="0">
                 <a:latin typeface="Times New Roman" panose="02020603050405020304" pitchFamily="18" charset="0"/>
                 <a:ea typeface="黑体" panose="02010609060101010101" pitchFamily="49" charset="-122"/>
                 <a:cs typeface="Times New Roman" panose="02020603050405020304" pitchFamily="18" charset="0"/>
               </a:rPr>
+              <a:t>链接：</a:t>
+            </a:r>
+            <a:r>
+              <a:rPr lang="en-US" altLang="zh-CN" dirty="0">
+                <a:latin typeface="Times New Roman" panose="02020603050405020304" pitchFamily="18" charset="0"/>
+                <a:ea typeface="黑体" panose="02010609060101010101" pitchFamily="49" charset="-122"/>
+                <a:cs typeface="Times New Roman" panose="02020603050405020304" pitchFamily="18" charset="0"/>
+              </a:rPr>
+              <a:t>git@github.com:linzx17/Computational-dynamics-2022.git</a:t>
+            </a:r>
+            <a:endParaRPr lang="en-US" altLang="zh-CN" dirty="0" smtClean="0">
+              <a:latin typeface="Times New Roman" panose="02020603050405020304" pitchFamily="18" charset="0"/>
+              <a:ea typeface="黑体" panose="02010609060101010101" pitchFamily="49" charset="-122"/>
+              <a:cs typeface="Times New Roman" panose="02020603050405020304" pitchFamily="18" charset="0"/>
+            </a:endParaRPr>
+          </a:p>
+          <a:p>
+            <a:r>
+              <a:rPr lang="zh-CN" altLang="en-US" dirty="0" smtClean="0">
+                <a:latin typeface="Times New Roman" panose="02020603050405020304" pitchFamily="18" charset="0"/>
+                <a:ea typeface="黑体" panose="02010609060101010101" pitchFamily="49" charset="-122"/>
+                <a:cs typeface="Times New Roman" panose="02020603050405020304" pitchFamily="18" charset="0"/>
+              </a:rPr>
               <a:t>查看本地库文件：</a:t>
             </a:r>
             <a:r>
-              <a:rPr lang="en-US" altLang="zh-CN" smtClean="0">
+              <a:rPr lang="en-US" altLang="zh-CN" dirty="0" err="1" smtClean="0">
                 <a:latin typeface="Times New Roman" panose="02020603050405020304" pitchFamily="18" charset="0"/>
                 <a:ea typeface="黑体" panose="02010609060101010101" pitchFamily="49" charset="-122"/>
                 <a:cs typeface="Times New Roman" panose="02020603050405020304" pitchFamily="18" charset="0"/>
